--- a/Презентация Касьянова А.pptx
+++ b/Презентация Касьянова А.pptx
@@ -10078,8 +10078,38 @@
         </p:blipFill>
         <p:spPr>
           <a:xfrm>
-            <a:off x="4708054" y="1778092"/>
-            <a:ext cx="6925164" cy="3914785"/>
+            <a:off x="6841654" y="1381046"/>
+            <a:ext cx="4674071" cy="2642245"/>
+          </a:xfrm>
+          <a:prstGeom prst="rect">
+            <a:avLst/>
+          </a:prstGeom>
+        </p:spPr>
+      </p:pic>
+      <p:pic>
+        <p:nvPicPr>
+          <p:cNvPr id="21" name="Рисунок 20">
+            <a:extLst>
+              <a:ext uri="{FF2B5EF4-FFF2-40B4-BE49-F238E27FC236}">
+                <a16:creationId xmlns:a16="http://schemas.microsoft.com/office/drawing/2014/main" id="{05F86FF8-F0C0-406E-8B8A-90EED2F385F5}"/>
+              </a:ext>
+            </a:extLst>
+          </p:cNvPr>
+          <p:cNvPicPr>
+            <a:picLocks noChangeAspect="1"/>
+          </p:cNvPicPr>
+          <p:nvPr/>
+        </p:nvPicPr>
+        <p:blipFill>
+          <a:blip r:embed="rId3"/>
+          <a:stretch>
+            <a:fillRect/>
+          </a:stretch>
+        </p:blipFill>
+        <p:spPr>
+          <a:xfrm>
+            <a:off x="1157287" y="4155831"/>
+            <a:ext cx="6657975" cy="2095500"/>
           </a:xfrm>
           <a:prstGeom prst="rect">
             <a:avLst/>
